--- a/somani4_MP1.pptx
+++ b/somani4_MP1.pptx
@@ -17,7 +17,6 @@
     <p:sldId id="268" r:id="rId11"/>
     <p:sldId id="272" r:id="rId12"/>
     <p:sldId id="274" r:id="rId13"/>
-    <p:sldId id="267" r:id="rId14"/>
   </p:sldIdLst>
   <p:sldSz cx="12192000" cy="6858000"/>
   <p:notesSz cx="6858000" cy="9144000"/>
@@ -127,8 +126,8 @@
 <file path=ppt/revisionInfo.xml><?xml version="1.0" encoding="utf-8"?>
 <p1510:revInfo xmlns:a="http://schemas.openxmlformats.org/drawingml/2006/main" xmlns:r="http://schemas.openxmlformats.org/officeDocument/2006/relationships" xmlns:p1510="http://schemas.microsoft.com/office/powerpoint/2015/10/main">
   <p1510:revLst>
+    <p1510:client id="{439EBECA-9065-49B9-9CD5-6917D7CD511D}" v="81" dt="2020-02-14T00:17:24.968"/>
     <p1510:client id="{7B0F4110-8C0A-44DE-BA03-AD1505DD8AEA}" v="38" dt="2020-02-14T00:19:09.516"/>
-    <p1510:client id="{439EBECA-9065-49B9-9CD5-6917D7CD511D}" v="81" dt="2020-02-14T00:17:24.968"/>
     <p1510:client id="{956BB4E9-F319-418E-9998-7F0942442DC6}" v="324" dt="2020-02-13T17:24:46.527"/>
   </p1510:revLst>
 </p1510:revInfo>
@@ -381,7 +380,7 @@
           <a:p>
             <a:fld id="{3E188059-9AAA-48DC-89EE-5FBEEAFD7015}" type="datetimeFigureOut">
               <a:rPr lang="en-US" smtClean="0"/>
-              <a:t>2/20/2020</a:t>
+              <a:t>3/31/2020</a:t>
             </a:fld>
             <a:endParaRPr lang="en-US"/>
           </a:p>
@@ -579,7 +578,7 @@
           <a:p>
             <a:fld id="{3E188059-9AAA-48DC-89EE-5FBEEAFD7015}" type="datetimeFigureOut">
               <a:rPr lang="en-US" smtClean="0"/>
-              <a:t>2/20/2020</a:t>
+              <a:t>3/31/2020</a:t>
             </a:fld>
             <a:endParaRPr lang="en-US"/>
           </a:p>
@@ -787,7 +786,7 @@
           <a:p>
             <a:fld id="{3E188059-9AAA-48DC-89EE-5FBEEAFD7015}" type="datetimeFigureOut">
               <a:rPr lang="en-US" smtClean="0"/>
-              <a:t>2/20/2020</a:t>
+              <a:t>3/31/2020</a:t>
             </a:fld>
             <a:endParaRPr lang="en-US"/>
           </a:p>
@@ -985,7 +984,7 @@
           <a:p>
             <a:fld id="{3E188059-9AAA-48DC-89EE-5FBEEAFD7015}" type="datetimeFigureOut">
               <a:rPr lang="en-US" smtClean="0"/>
-              <a:t>2/20/2020</a:t>
+              <a:t>3/31/2020</a:t>
             </a:fld>
             <a:endParaRPr lang="en-US"/>
           </a:p>
@@ -1260,7 +1259,7 @@
           <a:p>
             <a:fld id="{3E188059-9AAA-48DC-89EE-5FBEEAFD7015}" type="datetimeFigureOut">
               <a:rPr lang="en-US" smtClean="0"/>
-              <a:t>2/20/2020</a:t>
+              <a:t>3/31/2020</a:t>
             </a:fld>
             <a:endParaRPr lang="en-US"/>
           </a:p>
@@ -1525,7 +1524,7 @@
           <a:p>
             <a:fld id="{3E188059-9AAA-48DC-89EE-5FBEEAFD7015}" type="datetimeFigureOut">
               <a:rPr lang="en-US" smtClean="0"/>
-              <a:t>2/20/2020</a:t>
+              <a:t>3/31/2020</a:t>
             </a:fld>
             <a:endParaRPr lang="en-US"/>
           </a:p>
@@ -1937,7 +1936,7 @@
           <a:p>
             <a:fld id="{3E188059-9AAA-48DC-89EE-5FBEEAFD7015}" type="datetimeFigureOut">
               <a:rPr lang="en-US" smtClean="0"/>
-              <a:t>2/20/2020</a:t>
+              <a:t>3/31/2020</a:t>
             </a:fld>
             <a:endParaRPr lang="en-US"/>
           </a:p>
@@ -2078,7 +2077,7 @@
           <a:p>
             <a:fld id="{3E188059-9AAA-48DC-89EE-5FBEEAFD7015}" type="datetimeFigureOut">
               <a:rPr lang="en-US" smtClean="0"/>
-              <a:t>2/20/2020</a:t>
+              <a:t>3/31/2020</a:t>
             </a:fld>
             <a:endParaRPr lang="en-US"/>
           </a:p>
@@ -2191,7 +2190,7 @@
           <a:p>
             <a:fld id="{3E188059-9AAA-48DC-89EE-5FBEEAFD7015}" type="datetimeFigureOut">
               <a:rPr lang="en-US" smtClean="0"/>
-              <a:t>2/20/2020</a:t>
+              <a:t>3/31/2020</a:t>
             </a:fld>
             <a:endParaRPr lang="en-US"/>
           </a:p>
@@ -2502,7 +2501,7 @@
           <a:p>
             <a:fld id="{3E188059-9AAA-48DC-89EE-5FBEEAFD7015}" type="datetimeFigureOut">
               <a:rPr lang="en-US" smtClean="0"/>
-              <a:t>2/20/2020</a:t>
+              <a:t>3/31/2020</a:t>
             </a:fld>
             <a:endParaRPr lang="en-US"/>
           </a:p>
@@ -2790,7 +2789,7 @@
           <a:p>
             <a:fld id="{3E188059-9AAA-48DC-89EE-5FBEEAFD7015}" type="datetimeFigureOut">
               <a:rPr lang="en-US" smtClean="0"/>
-              <a:t>2/20/2020</a:t>
+              <a:t>3/31/2020</a:t>
             </a:fld>
             <a:endParaRPr lang="en-US"/>
           </a:p>
@@ -3031,7 +3030,7 @@
           <a:p>
             <a:fld id="{3E188059-9AAA-48DC-89EE-5FBEEAFD7015}" type="datetimeFigureOut">
               <a:rPr lang="en-US" smtClean="0"/>
-              <a:t>2/20/2020</a:t>
+              <a:t>3/31/2020</a:t>
             </a:fld>
             <a:endParaRPr lang="en-US"/>
           </a:p>
@@ -3471,22 +3470,9 @@
           <a:p>
             <a:r>
               <a:rPr lang="en-US" dirty="0"/>
-              <a:t>Mini-Project 1</a:t>
-            </a:r>
-            <a:br>
-              <a:rPr lang="en-US" dirty="0"/>
-            </a:br>
-            <a:r>
-              <a:rPr lang="en-US" sz="3200" dirty="0"/>
-              <a:t>ECE/CS 498DS</a:t>
-            </a:r>
-            <a:br>
-              <a:rPr lang="en-US" sz="3200" dirty="0"/>
-            </a:br>
-            <a:r>
-              <a:rPr lang="en-US" sz="3200" dirty="0"/>
-              <a:t>Spring 2020</a:t>
-            </a:r>
+              <a:t>Safety in Autonomous Vehicles</a:t>
+            </a:r>
+            <a:endParaRPr lang="en-US" sz="3200" dirty="0"/>
           </a:p>
         </p:txBody>
       </p:sp>
@@ -3513,27 +3499,13 @@
           <a:p>
             <a:r>
               <a:rPr lang="en-US" dirty="0"/>
-              <a:t>Akhilesh Somani (somani4),</a:t>
-            </a:r>
-            <a:br>
+              <a:t>Akhilesh Somani (somani4)</a:t>
+            </a:r>
+          </a:p>
+          <a:p>
+            <a:r>
               <a:rPr lang="en-US" dirty="0"/>
-            </a:br>
-            <a:r>
-              <a:rPr lang="en-US" dirty="0"/>
-              <a:t>Gowtham Kuntumalla (gowtham4),</a:t>
-            </a:r>
-            <a:br>
-              <a:rPr lang="en-US" dirty="0"/>
-            </a:br>
-            <a:r>
-              <a:rPr lang="en-US" dirty="0"/>
-              <a:t>Manan Mehta (mananm2)</a:t>
-            </a:r>
-          </a:p>
-          <a:p>
-            <a:r>
-              <a:rPr lang="en-US" dirty="0"/>
-              <a:t>Registered for ECE 498 (4-credit hours)</a:t>
+              <a:t>University of Illinois at Urbana-Champaign</a:t>
             </a:r>
           </a:p>
         </p:txBody>
@@ -4163,350 +4135,6 @@
     <p:extLst>
       <p:ext uri="{BB962C8B-B14F-4D97-AF65-F5344CB8AC3E}">
         <p14:creationId xmlns:p14="http://schemas.microsoft.com/office/powerpoint/2010/main" val="1637515360"/>
-      </p:ext>
-    </p:extLst>
-  </p:cSld>
-  <p:clrMapOvr>
-    <a:masterClrMapping/>
-  </p:clrMapOvr>
-</p:sld>
-</file>
-
-<file path=ppt/slides/slide13.xml><?xml version="1.0" encoding="utf-8"?>
-<p:sld xmlns:a="http://schemas.openxmlformats.org/drawingml/2006/main" xmlns:r="http://schemas.openxmlformats.org/officeDocument/2006/relationships" xmlns:p="http://schemas.openxmlformats.org/presentationml/2006/main">
-  <p:cSld>
-    <p:spTree>
-      <p:nvGrpSpPr>
-        <p:cNvPr id="1" name=""/>
-        <p:cNvGrpSpPr/>
-        <p:nvPr/>
-      </p:nvGrpSpPr>
-      <p:grpSpPr>
-        <a:xfrm>
-          <a:off x="0" y="0"/>
-          <a:ext cx="0" cy="0"/>
-          <a:chOff x="0" y="0"/>
-          <a:chExt cx="0" cy="0"/>
-        </a:xfrm>
-      </p:grpSpPr>
-      <p:sp>
-        <p:nvSpPr>
-          <p:cNvPr id="4" name="Title 1">
-            <a:extLst>
-              <a:ext uri="{FF2B5EF4-FFF2-40B4-BE49-F238E27FC236}">
-                <a16:creationId xmlns:a16="http://schemas.microsoft.com/office/drawing/2014/main" id="{D80213CE-A28A-49CF-9637-764A9C110452}"/>
-              </a:ext>
-            </a:extLst>
-          </p:cNvPr>
-          <p:cNvSpPr txBox="1">
-            <a:spLocks/>
-          </p:cNvSpPr>
-          <p:nvPr/>
-        </p:nvSpPr>
-        <p:spPr>
-          <a:xfrm>
-            <a:off x="838200" y="65130"/>
-            <a:ext cx="10515600" cy="1325563"/>
-          </a:xfrm>
-          <a:prstGeom prst="rect">
-            <a:avLst/>
-          </a:prstGeom>
-        </p:spPr>
-        <p:txBody>
-          <a:bodyPr vert="horz" lIns="91440" tIns="45720" rIns="91440" bIns="45720" rtlCol="0" anchor="ctr">
-            <a:normAutofit/>
-          </a:bodyPr>
-          <a:lstStyle>
-            <a:lvl1pPr algn="l" defTabSz="914400" rtl="0" eaLnBrk="1" latinLnBrk="0" hangingPunct="1">
-              <a:lnSpc>
-                <a:spcPct val="90000"/>
-              </a:lnSpc>
-              <a:spcBef>
-                <a:spcPct val="0"/>
-              </a:spcBef>
-              <a:buNone/>
-              <a:defRPr sz="4400" kern="1200">
-                <a:solidFill>
-                  <a:schemeClr val="tx1"/>
-                </a:solidFill>
-                <a:latin typeface="+mj-lt"/>
-                <a:ea typeface="+mj-ea"/>
-                <a:cs typeface="+mj-cs"/>
-              </a:defRPr>
-            </a:lvl1pPr>
-          </a:lstStyle>
-          <a:p>
-            <a:r>
-              <a:rPr lang="en-US" dirty="0"/>
-              <a:t>Individual Contributions</a:t>
-            </a:r>
-          </a:p>
-        </p:txBody>
-      </p:sp>
-      <p:sp>
-        <p:nvSpPr>
-          <p:cNvPr id="5" name="Rectangle 4">
-            <a:extLst>
-              <a:ext uri="{FF2B5EF4-FFF2-40B4-BE49-F238E27FC236}">
-                <a16:creationId xmlns:a16="http://schemas.microsoft.com/office/drawing/2014/main" id="{0BCA7D06-09B7-4BE1-9E26-EB931C7C73F0}"/>
-              </a:ext>
-            </a:extLst>
-          </p:cNvPr>
-          <p:cNvSpPr/>
-          <p:nvPr/>
-        </p:nvSpPr>
-        <p:spPr>
-          <a:xfrm>
-            <a:off x="838200" y="1390693"/>
-            <a:ext cx="10115550" cy="4524315"/>
-          </a:xfrm>
-          <a:prstGeom prst="rect">
-            <a:avLst/>
-          </a:prstGeom>
-        </p:spPr>
-        <p:txBody>
-          <a:bodyPr wrap="square">
-            <a:spAutoFit/>
-          </a:bodyPr>
-          <a:lstStyle/>
-          <a:p>
-            <a:r>
-              <a:rPr lang="en-US" b="1" dirty="0">
-                <a:solidFill>
-                  <a:schemeClr val="accent1">
-                    <a:lumMod val="75000"/>
-                  </a:schemeClr>
-                </a:solidFill>
-              </a:rPr>
-              <a:t>Akhilesh Somani – </a:t>
-            </a:r>
-          </a:p>
-          <a:p>
-            <a:pPr marL="342900" indent="-342900">
-              <a:buAutoNum type="arabicParenBoth"/>
-            </a:pPr>
-            <a:r>
-              <a:rPr lang="en-US" b="1" dirty="0">
-                <a:solidFill>
-                  <a:schemeClr val="accent1">
-                    <a:lumMod val="75000"/>
-                  </a:schemeClr>
-                </a:solidFill>
-              </a:rPr>
-              <a:t>Tasks 0-3</a:t>
-            </a:r>
-          </a:p>
-          <a:p>
-            <a:pPr marL="342900" indent="-342900">
-              <a:buAutoNum type="arabicParenBoth"/>
-            </a:pPr>
-            <a:r>
-              <a:rPr lang="en-US" b="1" dirty="0">
-                <a:solidFill>
-                  <a:schemeClr val="accent1">
-                    <a:lumMod val="75000"/>
-                  </a:schemeClr>
-                </a:solidFill>
-              </a:rPr>
-              <a:t>Final PPT making</a:t>
-            </a:r>
-          </a:p>
-          <a:p>
-            <a:pPr marL="342900" indent="-342900">
-              <a:buAutoNum type="arabicParenBoth"/>
-            </a:pPr>
-            <a:r>
-              <a:rPr lang="en-US" b="1" dirty="0">
-                <a:solidFill>
-                  <a:schemeClr val="accent1">
-                    <a:lumMod val="75000"/>
-                  </a:schemeClr>
-                </a:solidFill>
-              </a:rPr>
-              <a:t>Final .</a:t>
-            </a:r>
-            <a:r>
-              <a:rPr lang="en-US" b="1" dirty="0" err="1">
-                <a:solidFill>
-                  <a:schemeClr val="accent1">
-                    <a:lumMod val="75000"/>
-                  </a:schemeClr>
-                </a:solidFill>
-              </a:rPr>
-              <a:t>ipynb</a:t>
-            </a:r>
-            <a:r>
-              <a:rPr lang="en-US" b="1" dirty="0">
-                <a:solidFill>
-                  <a:schemeClr val="accent1">
-                    <a:lumMod val="75000"/>
-                  </a:schemeClr>
-                </a:solidFill>
-              </a:rPr>
-              <a:t> file compilation</a:t>
-            </a:r>
-          </a:p>
-          <a:p>
-            <a:pPr marL="342900" indent="-342900">
-              <a:buAutoNum type="arabicParenBoth"/>
-            </a:pPr>
-            <a:r>
-              <a:rPr lang="en-US" b="1" dirty="0">
-                <a:solidFill>
-                  <a:schemeClr val="accent1">
-                    <a:lumMod val="75000"/>
-                  </a:schemeClr>
-                </a:solidFill>
-              </a:rPr>
-              <a:t>Key Insights</a:t>
-            </a:r>
-          </a:p>
-          <a:p>
-            <a:r>
-              <a:rPr lang="en-US" b="1" dirty="0">
-                <a:solidFill>
-                  <a:schemeClr val="accent1">
-                    <a:lumMod val="75000"/>
-                  </a:schemeClr>
-                </a:solidFill>
-              </a:rPr>
-              <a:t> </a:t>
-            </a:r>
-          </a:p>
-          <a:p>
-            <a:r>
-              <a:rPr lang="en-US" b="1" dirty="0">
-                <a:solidFill>
-                  <a:schemeClr val="accent1">
-                    <a:lumMod val="75000"/>
-                  </a:schemeClr>
-                </a:solidFill>
-              </a:rPr>
-              <a:t>Gowtham Kuntumalla – </a:t>
-            </a:r>
-          </a:p>
-          <a:p>
-            <a:pPr marL="342900" indent="-342900">
-              <a:buAutoNum type="arabicParenBoth"/>
-            </a:pPr>
-            <a:r>
-              <a:rPr lang="en-US" b="1" dirty="0">
-                <a:solidFill>
-                  <a:schemeClr val="accent1">
-                    <a:lumMod val="75000"/>
-                  </a:schemeClr>
-                </a:solidFill>
-              </a:rPr>
-              <a:t>Tasks 0-3</a:t>
-            </a:r>
-          </a:p>
-          <a:p>
-            <a:pPr marL="342900" indent="-342900">
-              <a:buAutoNum type="arabicParenBoth"/>
-            </a:pPr>
-            <a:r>
-              <a:rPr lang="en-US" b="1" dirty="0">
-                <a:solidFill>
-                  <a:schemeClr val="accent1">
-                    <a:lumMod val="75000"/>
-                  </a:schemeClr>
-                </a:solidFill>
-              </a:rPr>
-              <a:t>Checkpoint PPT making</a:t>
-            </a:r>
-          </a:p>
-          <a:p>
-            <a:pPr marL="342900" indent="-342900">
-              <a:buAutoNum type="arabicParenBoth"/>
-            </a:pPr>
-            <a:r>
-              <a:rPr lang="en-US" b="1" dirty="0">
-                <a:solidFill>
-                  <a:schemeClr val="accent1">
-                    <a:lumMod val="75000"/>
-                  </a:schemeClr>
-                </a:solidFill>
-              </a:rPr>
-              <a:t>Checkpoint .</a:t>
-            </a:r>
-            <a:r>
-              <a:rPr lang="en-US" b="1" dirty="0" err="1">
-                <a:solidFill>
-                  <a:schemeClr val="accent1">
-                    <a:lumMod val="75000"/>
-                  </a:schemeClr>
-                </a:solidFill>
-              </a:rPr>
-              <a:t>ipynb</a:t>
-            </a:r>
-            <a:r>
-              <a:rPr lang="en-US" b="1" dirty="0">
-                <a:solidFill>
-                  <a:schemeClr val="accent1">
-                    <a:lumMod val="75000"/>
-                  </a:schemeClr>
-                </a:solidFill>
-              </a:rPr>
-              <a:t> file compilation </a:t>
-            </a:r>
-          </a:p>
-          <a:p>
-            <a:endParaRPr lang="en-US" b="1" dirty="0">
-              <a:solidFill>
-                <a:schemeClr val="accent1">
-                  <a:lumMod val="75000"/>
-                </a:schemeClr>
-              </a:solidFill>
-            </a:endParaRPr>
-          </a:p>
-          <a:p>
-            <a:r>
-              <a:rPr lang="en-US" b="1" dirty="0">
-                <a:solidFill>
-                  <a:schemeClr val="accent1">
-                    <a:lumMod val="75000"/>
-                  </a:schemeClr>
-                </a:solidFill>
-              </a:rPr>
-              <a:t>Manan Mehta – </a:t>
-            </a:r>
-          </a:p>
-          <a:p>
-            <a:r>
-              <a:rPr lang="en-US" b="1" dirty="0">
-                <a:solidFill>
-                  <a:schemeClr val="accent1">
-                    <a:lumMod val="75000"/>
-                  </a:schemeClr>
-                </a:solidFill>
-              </a:rPr>
-              <a:t>(1) Tasks 0-3</a:t>
-            </a:r>
-          </a:p>
-          <a:p>
-            <a:r>
-              <a:rPr lang="en-US" b="1" dirty="0">
-                <a:solidFill>
-                  <a:schemeClr val="accent1">
-                    <a:lumMod val="75000"/>
-                  </a:schemeClr>
-                </a:solidFill>
-              </a:rPr>
-              <a:t>(2) Key Insights</a:t>
-            </a:r>
-          </a:p>
-          <a:p>
-            <a:endParaRPr lang="en-US" dirty="0"/>
-          </a:p>
-          <a:p>
-            <a:endParaRPr lang="en-US" dirty="0"/>
-          </a:p>
-        </p:txBody>
-      </p:sp>
-    </p:spTree>
-    <p:extLst>
-      <p:ext uri="{BB962C8B-B14F-4D97-AF65-F5344CB8AC3E}">
-        <p14:creationId xmlns:p14="http://schemas.microsoft.com/office/powerpoint/2010/main" val="985745996"/>
       </p:ext>
     </p:extLst>
   </p:cSld>
